--- a/media/generated_ppts/DR IAM_SETTAT EM Telecom.pptx
+++ b/media/generated_ppts/DR IAM_SETTAT EM Telecom.pptx
@@ -3091,6 +3091,49 @@
       <p:grpSpPr/>
       <p:sp>
         <p:nvSpPr>
+          <p:cNvPr id="4" name="Rectangle 3"/>
+          <p:cNvSpPr/>
+          <p:nvPr/>
+        </p:nvSpPr>
+        <p:spPr>
+          <a:xfrm>
+            <a:off x="792000" y="792000"/>
+            <a:ext cx="7632000" cy="5328000"/>
+          </a:xfrm>
+          <a:prstGeom prst="rect">
+            <a:avLst/>
+          </a:prstGeom>
+          <a:noFill/>
+          <a:ln w="38100">
+            <a:solidFill>
+              <a:srgbClr val="000000"/>
+            </a:solidFill>
+          </a:ln>
+        </p:spPr>
+        <p:style>
+          <a:lnRef idx="1">
+            <a:schemeClr val="accent1"/>
+          </a:lnRef>
+          <a:fillRef idx="3">
+            <a:schemeClr val="accent1"/>
+          </a:fillRef>
+          <a:effectRef idx="2">
+            <a:schemeClr val="accent1"/>
+          </a:effectRef>
+          <a:fontRef idx="minor">
+            <a:schemeClr val="lt1"/>
+          </a:fontRef>
+        </p:style>
+        <p:txBody>
+          <a:bodyPr rtlCol="0" anchor="ctr"/>
+          <a:lstStyle/>
+          <a:p>
+            <a:pPr algn="ctr"/>
+          </a:p>
+        </p:txBody>
+      </p:sp>
+      <p:sp>
+        <p:nvSpPr>
           <p:cNvPr id="2" name="Title 1"/>
           <p:cNvSpPr>
             <a:spLocks noGrp="1"/>
@@ -3105,7 +3148,10 @@
           <a:lstStyle/>
           <a:p>
             <a:pPr>
-              <a:defRPr sz="3200">
+              <a:defRPr sz="3200" b="1">
+                <a:solidFill>
+                  <a:srgbClr val="000000"/>
+                </a:solidFill>
                 <a:latin typeface="Arial Narrow"/>
               </a:defRPr>
             </a:pPr>
@@ -3132,6 +3178,9 @@
           <a:p>
             <a:pPr>
               <a:defRPr sz="1800">
+                <a:solidFill>
+                  <a:srgbClr val="404040"/>
+                </a:solidFill>
                 <a:latin typeface="Arial Narrow"/>
               </a:defRPr>
             </a:pPr>
@@ -3161,7 +3210,7 @@
       <p:grpSpPr/>
       <p:pic>
         <p:nvPicPr>
-          <p:cNvPr id="2" name="Picture 1" descr="AA.jpeg"/>
+          <p:cNvPr id="2" name="Picture 1" descr="AAA.jpeg"/>
           <p:cNvPicPr>
             <a:picLocks noChangeAspect="1"/>
           </p:cNvPicPr>
@@ -3176,7 +3225,7 @@
         <p:spPr>
           <a:xfrm>
             <a:off x="360000" y="180000"/>
-            <a:ext cx="9360000" cy="2520000"/>
+            <a:ext cx="8820000" cy="2520000"/>
           </a:xfrm>
           <a:prstGeom prst="rect">
             <a:avLst/>

--- a/media/generated_ppts/DR IAM_SETTAT EM Telecom.pptx
+++ b/media/generated_ppts/DR IAM_SETTAT EM Telecom.pptx
@@ -3242,7 +3242,7 @@
         </p:nvGraphicFramePr>
         <p:xfrm>
           <a:off x="360000" y="2700000"/>
-          <a:ext cx="8747999" cy="288000"/>
+          <a:ext cx="8351997" cy="288000"/>
         </p:xfrm>
         <a:graphic>
           <a:graphicData uri="http://schemas.openxmlformats.org/drawingml/2006/table">
@@ -3251,13 +3251,15 @@
                 <a:tableStyleId>{5C22544A-7EE6-4342-B048-85BDC9FD1C3A}</a:tableStyleId>
               </a:tblPr>
               <a:tblGrid>
-                <a:gridCol w="648000"/>
+                <a:gridCol w="612000"/>
                 <a:gridCol w="864000"/>
-                <a:gridCol w="1332000"/>
-                <a:gridCol w="936000"/>
+                <a:gridCol w="1116000"/>
+                <a:gridCol w="1116000"/>
+                <a:gridCol w="900000"/>
+                <a:gridCol w="900000"/>
+                <a:gridCol w="827999"/>
                 <a:gridCol w="1007999"/>
-                <a:gridCol w="2232000"/>
-                <a:gridCol w="1728000"/>
+                <a:gridCol w="1007999"/>
               </a:tblGrid>
               <a:tr h="36000">
                 <a:tc>
@@ -3280,7 +3282,7 @@
                   </a:txBody>
                   <a:tcPr>
                     <a:solidFill>
-                      <a:srgbClr val="4472C4"/>
+                      <a:srgbClr val="FF6800"/>
                     </a:solidFill>
                   </a:tcPr>
                 </a:tc>
@@ -3304,7 +3306,7 @@
                   </a:txBody>
                   <a:tcPr>
                     <a:solidFill>
-                      <a:srgbClr val="4472C4"/>
+                      <a:srgbClr val="FF6800"/>
                     </a:solidFill>
                   </a:tcPr>
                 </a:tc>
@@ -3328,7 +3330,7 @@
                   </a:txBody>
                   <a:tcPr>
                     <a:solidFill>
-                      <a:srgbClr val="4472C4"/>
+                      <a:srgbClr val="FF6800"/>
                     </a:solidFill>
                   </a:tcPr>
                 </a:tc>
@@ -3346,13 +3348,13 @@
                         </a:defRPr>
                       </a:pPr>
                       <a:r>
-                        <a:t>DR IAM</a:t>
-                      </a:r>
-                    </a:p>
-                  </a:txBody>
-                  <a:tcPr>
-                    <a:solidFill>
-                      <a:srgbClr val="4472C4"/>
+                        <a:t>Contact IAM</a:t>
+                      </a:r>
+                    </a:p>
+                  </a:txBody>
+                  <a:tcPr>
+                    <a:solidFill>
+                      <a:srgbClr val="FF6800"/>
                     </a:solidFill>
                   </a:tcPr>
                 </a:tc>
@@ -3370,13 +3372,13 @@
                         </a:defRPr>
                       </a:pPr>
                       <a:r>
-                        <a:t>ville</a:t>
-                      </a:r>
-                    </a:p>
-                  </a:txBody>
-                  <a:tcPr>
-                    <a:solidFill>
-                      <a:srgbClr val="4472C4"/>
+                        <a:t>DR IAM</a:t>
+                      </a:r>
+                    </a:p>
+                  </a:txBody>
+                  <a:tcPr>
+                    <a:solidFill>
+                      <a:srgbClr val="FF6800"/>
                     </a:solidFill>
                   </a:tcPr>
                 </a:tc>
@@ -3394,13 +3396,13 @@
                         </a:defRPr>
                       </a:pPr>
                       <a:r>
-                        <a:t>X Départ ERPT - Y Départ ERPT</a:t>
-                      </a:r>
-                    </a:p>
-                  </a:txBody>
-                  <a:tcPr>
-                    <a:solidFill>
-                      <a:srgbClr val="4472C4"/>
+                        <a:t>ville</a:t>
+                      </a:r>
+                    </a:p>
+                  </a:txBody>
+                  <a:tcPr>
+                    <a:solidFill>
+                      <a:srgbClr val="FF6800"/>
                     </a:solidFill>
                   </a:tcPr>
                 </a:tc>
@@ -3418,13 +3420,61 @@
                         </a:defRPr>
                       </a:pPr>
                       <a:r>
-                        <a:t>X Arrivée ERPT Proposition1 - Y Arrivée</a:t>
-                      </a:r>
-                    </a:p>
-                  </a:txBody>
-                  <a:tcPr>
-                    <a:solidFill>
-                      <a:srgbClr val="4472C4"/>
+                        <a:t>Date TSS</a:t>
+                      </a:r>
+                    </a:p>
+                  </a:txBody>
+                  <a:tcPr>
+                    <a:solidFill>
+                      <a:srgbClr val="FF6800"/>
+                    </a:solidFill>
+                  </a:tcPr>
+                </a:tc>
+                <a:tc>
+                  <a:txBody>
+                    <a:bodyPr tIns="18288" bIns="18288" lIns="45720" rIns="45720"/>
+                    <a:lstStyle/>
+                    <a:p>
+                      <a:pPr>
+                        <a:defRPr sz="700" b="1">
+                          <a:solidFill>
+                            <a:srgbClr val="FFFFFF"/>
+                          </a:solidFill>
+                          <a:latin typeface="Arial Narrow"/>
+                        </a:defRPr>
+                      </a:pPr>
+                      <a:r>
+                        <a:t>X Départ ERPT - Y Départ ERPT</a:t>
+                      </a:r>
+                    </a:p>
+                  </a:txBody>
+                  <a:tcPr>
+                    <a:solidFill>
+                      <a:srgbClr val="FF6800"/>
+                    </a:solidFill>
+                  </a:tcPr>
+                </a:tc>
+                <a:tc>
+                  <a:txBody>
+                    <a:bodyPr tIns="18288" bIns="18288" lIns="45720" rIns="45720"/>
+                    <a:lstStyle/>
+                    <a:p>
+                      <a:pPr>
+                        <a:defRPr sz="700" b="1">
+                          <a:solidFill>
+                            <a:srgbClr val="FFFFFF"/>
+                          </a:solidFill>
+                          <a:latin typeface="Arial Narrow"/>
+                        </a:defRPr>
+                      </a:pPr>
+                      <a:r>
+                        <a:t>X Arrivée ERPT - Y Arrivée ERPT</a:t>
+                      </a:r>
+                    </a:p>
+                  </a:txBody>
+                  <a:tcPr>
+                    <a:solidFill>
+                      <a:srgbClr val="FF6800"/>
                     </a:solidFill>
                   </a:tcPr>
                 </a:tc>
@@ -3445,7 +3495,11 @@
                       </a:r>
                     </a:p>
                   </a:txBody>
-                  <a:tcPr/>
+                  <a:tcPr>
+                    <a:solidFill>
+                      <a:srgbClr val="FFFFFF"/>
+                    </a:solidFill>
+                  </a:tcPr>
                 </a:tc>
                 <a:tc>
                   <a:txBody>
@@ -3462,7 +3516,11 @@
                       </a:r>
                     </a:p>
                   </a:txBody>
-                  <a:tcPr/>
+                  <a:tcPr>
+                    <a:solidFill>
+                      <a:srgbClr val="FFFFFF"/>
+                    </a:solidFill>
+                  </a:tcPr>
                 </a:tc>
                 <a:tc>
                   <a:txBody>
@@ -3479,7 +3537,32 @@
                       </a:r>
                     </a:p>
                   </a:txBody>
-                  <a:tcPr/>
+                  <a:tcPr>
+                    <a:solidFill>
+                      <a:srgbClr val="FFFFFF"/>
+                    </a:solidFill>
+                  </a:tcPr>
+                </a:tc>
+                <a:tc>
+                  <a:txBody>
+                    <a:bodyPr tIns="18288" bIns="18288" lIns="45720" rIns="45720"/>
+                    <a:lstStyle/>
+                    <a:p>
+                      <a:pPr>
+                        <a:defRPr sz="700">
+                          <a:latin typeface="Arial Narrow"/>
+                        </a:defRPr>
+                      </a:pPr>
+                      <a:r>
+                        <a:t>SDV</a:t>
+                      </a:r>
+                    </a:p>
+                  </a:txBody>
+                  <a:tcPr>
+                    <a:solidFill>
+                      <a:srgbClr val="FFFFFF"/>
+                    </a:solidFill>
+                  </a:tcPr>
                 </a:tc>
                 <a:tc>
                   <a:txBody>
@@ -3496,7 +3579,11 @@
                       </a:r>
                     </a:p>
                   </a:txBody>
-                  <a:tcPr/>
+                  <a:tcPr>
+                    <a:solidFill>
+                      <a:srgbClr val="FFFFFF"/>
+                    </a:solidFill>
+                  </a:tcPr>
                 </a:tc>
                 <a:tc>
                   <a:txBody>
@@ -3513,41 +3600,74 @@
                       </a:r>
                     </a:p>
                   </a:txBody>
-                  <a:tcPr/>
-                </a:tc>
-                <a:tc>
-                  <a:txBody>
-                    <a:bodyPr tIns="18288" bIns="18288" lIns="45720" rIns="45720"/>
-                    <a:lstStyle/>
-                    <a:p>
-                      <a:pPr>
-                        <a:defRPr sz="700">
-                          <a:latin typeface="Arial Narrow"/>
-                        </a:defRPr>
-                      </a:pPr>
-                      <a:r>
-                        <a:t>-6.34277780000000035, 32.34300000000000352</a:t>
-                      </a:r>
-                    </a:p>
-                  </a:txBody>
-                  <a:tcPr/>
-                </a:tc>
-                <a:tc>
-                  <a:txBody>
-                    <a:bodyPr tIns="18288" bIns="18288" lIns="45720" rIns="45720"/>
-                    <a:lstStyle/>
-                    <a:p>
-                      <a:pPr>
-                        <a:defRPr sz="700">
-                          <a:latin typeface="Arial Narrow"/>
-                        </a:defRPr>
-                      </a:pPr>
-                      <a:r>
-                        <a:t>32.34690000, -6.34261000</a:t>
-                      </a:r>
-                    </a:p>
-                  </a:txBody>
-                  <a:tcPr/>
+                  <a:tcPr>
+                    <a:solidFill>
+                      <a:srgbClr val="FFFFFF"/>
+                    </a:solidFill>
+                  </a:tcPr>
+                </a:tc>
+                <a:tc>
+                  <a:txBody>
+                    <a:bodyPr tIns="18288" bIns="18288" lIns="45720" rIns="45720"/>
+                    <a:lstStyle/>
+                    <a:p>
+                      <a:pPr>
+                        <a:defRPr sz="700">
+                          <a:latin typeface="Arial Narrow"/>
+                        </a:defRPr>
+                      </a:pPr>
+                      <a:r>
+                        <a:t>YJYYT</a:t>
+                      </a:r>
+                    </a:p>
+                  </a:txBody>
+                  <a:tcPr>
+                    <a:solidFill>
+                      <a:srgbClr val="FFFFFF"/>
+                    </a:solidFill>
+                  </a:tcPr>
+                </a:tc>
+                <a:tc>
+                  <a:txBody>
+                    <a:bodyPr tIns="18288" bIns="18288" lIns="45720" rIns="45720"/>
+                    <a:lstStyle/>
+                    <a:p>
+                      <a:pPr>
+                        <a:defRPr sz="700">
+                          <a:latin typeface="Arial Narrow"/>
+                        </a:defRPr>
+                      </a:pPr>
+                      <a:r>
+                        <a:t>-6.34278, 32.34300</a:t>
+                      </a:r>
+                    </a:p>
+                  </a:txBody>
+                  <a:tcPr>
+                    <a:solidFill>
+                      <a:srgbClr val="FFFFFF"/>
+                    </a:solidFill>
+                  </a:tcPr>
+                </a:tc>
+                <a:tc>
+                  <a:txBody>
+                    <a:bodyPr tIns="18288" bIns="18288" lIns="45720" rIns="45720"/>
+                    <a:lstStyle/>
+                    <a:p>
+                      <a:pPr>
+                        <a:defRPr sz="700">
+                          <a:latin typeface="Arial Narrow"/>
+                        </a:defRPr>
+                      </a:pPr>
+                      <a:r>
+                        <a:t>32.34690, -6.34261</a:t>
+                      </a:r>
+                    </a:p>
+                  </a:txBody>
+                  <a:tcPr>
+                    <a:solidFill>
+                      <a:srgbClr val="FFFFFF"/>
+                    </a:solidFill>
+                  </a:tcPr>
                 </a:tc>
               </a:tr>
               <a:tr h="18000">
@@ -3568,7 +3688,7 @@
                   </a:txBody>
                   <a:tcPr>
                     <a:solidFill>
-                      <a:srgbClr val="F2F2F2"/>
+                      <a:srgbClr val="FFD4B9"/>
                     </a:solidFill>
                   </a:tcPr>
                 </a:tc>
@@ -3589,7 +3709,7 @@
                   </a:txBody>
                   <a:tcPr>
                     <a:solidFill>
-                      <a:srgbClr val="F2F2F2"/>
+                      <a:srgbClr val="FFD4B9"/>
                     </a:solidFill>
                   </a:tcPr>
                 </a:tc>
@@ -3610,7 +3730,25 @@
                   </a:txBody>
                   <a:tcPr>
                     <a:solidFill>
-                      <a:srgbClr val="F2F2F2"/>
+                      <a:srgbClr val="FFD4B9"/>
+                    </a:solidFill>
+                  </a:tcPr>
+                </a:tc>
+                <a:tc>
+                  <a:txBody>
+                    <a:bodyPr tIns="18288" bIns="18288" lIns="45720" rIns="45720"/>
+                    <a:lstStyle/>
+                    <a:p>
+                      <a:pPr>
+                        <a:defRPr sz="700">
+                          <a:latin typeface="Arial Narrow"/>
+                        </a:defRPr>
+                      </a:pPr>
+                    </a:p>
+                  </a:txBody>
+                  <a:tcPr>
+                    <a:solidFill>
+                      <a:srgbClr val="FFD4B9"/>
                     </a:solidFill>
                   </a:tcPr>
                 </a:tc>
@@ -3631,7 +3769,7 @@
                   </a:txBody>
                   <a:tcPr>
                     <a:solidFill>
-                      <a:srgbClr val="F2F2F2"/>
+                      <a:srgbClr val="FFD4B9"/>
                     </a:solidFill>
                   </a:tcPr>
                 </a:tc>
@@ -3652,49 +3790,67 @@
                   </a:txBody>
                   <a:tcPr>
                     <a:solidFill>
-                      <a:srgbClr val="F2F2F2"/>
-                    </a:solidFill>
-                  </a:tcPr>
-                </a:tc>
-                <a:tc>
-                  <a:txBody>
-                    <a:bodyPr tIns="18288" bIns="18288" lIns="45720" rIns="45720"/>
-                    <a:lstStyle/>
-                    <a:p>
-                      <a:pPr>
-                        <a:defRPr sz="700">
-                          <a:latin typeface="Arial Narrow"/>
-                        </a:defRPr>
-                      </a:pPr>
-                      <a:r>
-                        <a:t>-6.36500000000000021, 32.34108330000000109</a:t>
-                      </a:r>
-                    </a:p>
-                  </a:txBody>
-                  <a:tcPr>
-                    <a:solidFill>
-                      <a:srgbClr val="F2F2F2"/>
-                    </a:solidFill>
-                  </a:tcPr>
-                </a:tc>
-                <a:tc>
-                  <a:txBody>
-                    <a:bodyPr tIns="18288" bIns="18288" lIns="45720" rIns="45720"/>
-                    <a:lstStyle/>
-                    <a:p>
-                      <a:pPr>
-                        <a:defRPr sz="700">
-                          <a:latin typeface="Arial Narrow"/>
-                        </a:defRPr>
-                      </a:pPr>
-                      <a:r>
-                        <a:t>32.34380000, -6.35806000</a:t>
-                      </a:r>
-                    </a:p>
-                  </a:txBody>
-                  <a:tcPr>
-                    <a:solidFill>
-                      <a:srgbClr val="F2F2F2"/>
+                      <a:srgbClr val="FFD4B9"/>
+                    </a:solidFill>
+                  </a:tcPr>
+                </a:tc>
+                <a:tc>
+                  <a:txBody>
+                    <a:bodyPr tIns="18288" bIns="18288" lIns="45720" rIns="45720"/>
+                    <a:lstStyle/>
+                    <a:p>
+                      <a:pPr>
+                        <a:defRPr sz="700">
+                          <a:latin typeface="Arial Narrow"/>
+                        </a:defRPr>
+                      </a:pPr>
+                    </a:p>
+                  </a:txBody>
+                  <a:tcPr>
+                    <a:solidFill>
+                      <a:srgbClr val="FFD4B9"/>
+                    </a:solidFill>
+                  </a:tcPr>
+                </a:tc>
+                <a:tc>
+                  <a:txBody>
+                    <a:bodyPr tIns="18288" bIns="18288" lIns="45720" rIns="45720"/>
+                    <a:lstStyle/>
+                    <a:p>
+                      <a:pPr>
+                        <a:defRPr sz="700">
+                          <a:latin typeface="Arial Narrow"/>
+                        </a:defRPr>
+                      </a:pPr>
+                      <a:r>
+                        <a:t>-6.36500, 32.34108</a:t>
+                      </a:r>
+                    </a:p>
+                  </a:txBody>
+                  <a:tcPr>
+                    <a:solidFill>
+                      <a:srgbClr val="FFD4B9"/>
+                    </a:solidFill>
+                  </a:tcPr>
+                </a:tc>
+                <a:tc>
+                  <a:txBody>
+                    <a:bodyPr tIns="18288" bIns="18288" lIns="45720" rIns="45720"/>
+                    <a:lstStyle/>
+                    <a:p>
+                      <a:pPr>
+                        <a:defRPr sz="700">
+                          <a:latin typeface="Arial Narrow"/>
+                        </a:defRPr>
+                      </a:pPr>
+                      <a:r>
+                        <a:t>32.34380, -6.35806</a:t>
+                      </a:r>
+                    </a:p>
+                  </a:txBody>
+                  <a:tcPr>
+                    <a:solidFill>
+                      <a:srgbClr val="FFD4B9"/>
                     </a:solidFill>
                   </a:tcPr>
                 </a:tc>
@@ -3715,7 +3871,11 @@
                       </a:r>
                     </a:p>
                   </a:txBody>
-                  <a:tcPr/>
+                  <a:tcPr>
+                    <a:solidFill>
+                      <a:srgbClr val="FFFFFF"/>
+                    </a:solidFill>
+                  </a:tcPr>
                 </a:tc>
                 <a:tc>
                   <a:txBody>
@@ -3732,7 +3892,11 @@
                       </a:r>
                     </a:p>
                   </a:txBody>
-                  <a:tcPr/>
+                  <a:tcPr>
+                    <a:solidFill>
+                      <a:srgbClr val="FFFFFF"/>
+                    </a:solidFill>
+                  </a:tcPr>
                 </a:tc>
                 <a:tc>
                   <a:txBody>
@@ -3749,7 +3913,29 @@
                       </a:r>
                     </a:p>
                   </a:txBody>
-                  <a:tcPr/>
+                  <a:tcPr>
+                    <a:solidFill>
+                      <a:srgbClr val="FFFFFF"/>
+                    </a:solidFill>
+                  </a:tcPr>
+                </a:tc>
+                <a:tc>
+                  <a:txBody>
+                    <a:bodyPr tIns="18288" bIns="18288" lIns="45720" rIns="45720"/>
+                    <a:lstStyle/>
+                    <a:p>
+                      <a:pPr>
+                        <a:defRPr sz="700">
+                          <a:latin typeface="Arial Narrow"/>
+                        </a:defRPr>
+                      </a:pPr>
+                    </a:p>
+                  </a:txBody>
+                  <a:tcPr>
+                    <a:solidFill>
+                      <a:srgbClr val="FFFFFF"/>
+                    </a:solidFill>
+                  </a:tcPr>
                 </a:tc>
                 <a:tc>
                   <a:txBody>
@@ -3766,7 +3952,11 @@
                       </a:r>
                     </a:p>
                   </a:txBody>
-                  <a:tcPr/>
+                  <a:tcPr>
+                    <a:solidFill>
+                      <a:srgbClr val="FFFFFF"/>
+                    </a:solidFill>
+                  </a:tcPr>
                 </a:tc>
                 <a:tc>
                   <a:txBody>
@@ -3783,41 +3973,71 @@
                       </a:r>
                     </a:p>
                   </a:txBody>
-                  <a:tcPr/>
-                </a:tc>
-                <a:tc>
-                  <a:txBody>
-                    <a:bodyPr tIns="18288" bIns="18288" lIns="45720" rIns="45720"/>
-                    <a:lstStyle/>
-                    <a:p>
-                      <a:pPr>
-                        <a:defRPr sz="700">
-                          <a:latin typeface="Arial Narrow"/>
-                        </a:defRPr>
-                      </a:pPr>
-                      <a:r>
-                        <a:t>-6.34955560000000041, 32.35080560000000105</a:t>
-                      </a:r>
-                    </a:p>
-                  </a:txBody>
-                  <a:tcPr/>
-                </a:tc>
-                <a:tc>
-                  <a:txBody>
-                    <a:bodyPr tIns="18288" bIns="18288" lIns="45720" rIns="45720"/>
-                    <a:lstStyle/>
-                    <a:p>
-                      <a:pPr>
-                        <a:defRPr sz="700">
-                          <a:latin typeface="Arial Narrow"/>
-                        </a:defRPr>
-                      </a:pPr>
-                      <a:r>
-                        <a:t>32.34616700, -6.34947190</a:t>
-                      </a:r>
-                    </a:p>
-                  </a:txBody>
-                  <a:tcPr/>
+                  <a:tcPr>
+                    <a:solidFill>
+                      <a:srgbClr val="FFFFFF"/>
+                    </a:solidFill>
+                  </a:tcPr>
+                </a:tc>
+                <a:tc>
+                  <a:txBody>
+                    <a:bodyPr tIns="18288" bIns="18288" lIns="45720" rIns="45720"/>
+                    <a:lstStyle/>
+                    <a:p>
+                      <a:pPr>
+                        <a:defRPr sz="700">
+                          <a:latin typeface="Arial Narrow"/>
+                        </a:defRPr>
+                      </a:pPr>
+                    </a:p>
+                  </a:txBody>
+                  <a:tcPr>
+                    <a:solidFill>
+                      <a:srgbClr val="FFFFFF"/>
+                    </a:solidFill>
+                  </a:tcPr>
+                </a:tc>
+                <a:tc>
+                  <a:txBody>
+                    <a:bodyPr tIns="18288" bIns="18288" lIns="45720" rIns="45720"/>
+                    <a:lstStyle/>
+                    <a:p>
+                      <a:pPr>
+                        <a:defRPr sz="700">
+                          <a:latin typeface="Arial Narrow"/>
+                        </a:defRPr>
+                      </a:pPr>
+                      <a:r>
+                        <a:t>-6.34956, 32.35081</a:t>
+                      </a:r>
+                    </a:p>
+                  </a:txBody>
+                  <a:tcPr>
+                    <a:solidFill>
+                      <a:srgbClr val="FFFFFF"/>
+                    </a:solidFill>
+                  </a:tcPr>
+                </a:tc>
+                <a:tc>
+                  <a:txBody>
+                    <a:bodyPr tIns="18288" bIns="18288" lIns="45720" rIns="45720"/>
+                    <a:lstStyle/>
+                    <a:p>
+                      <a:pPr>
+                        <a:defRPr sz="700">
+                          <a:latin typeface="Arial Narrow"/>
+                        </a:defRPr>
+                      </a:pPr>
+                      <a:r>
+                        <a:t>32.34617, -6.34947</a:t>
+                      </a:r>
+                    </a:p>
+                  </a:txBody>
+                  <a:tcPr>
+                    <a:solidFill>
+                      <a:srgbClr val="FFFFFF"/>
+                    </a:solidFill>
+                  </a:tcPr>
                 </a:tc>
               </a:tr>
               <a:tr h="18000">
@@ -3838,7 +4058,7 @@
                   </a:txBody>
                   <a:tcPr>
                     <a:solidFill>
-                      <a:srgbClr val="F2F2F2"/>
+                      <a:srgbClr val="FFD4B9"/>
                     </a:solidFill>
                   </a:tcPr>
                 </a:tc>
@@ -3859,7 +4079,7 @@
                   </a:txBody>
                   <a:tcPr>
                     <a:solidFill>
-                      <a:srgbClr val="F2F2F2"/>
+                      <a:srgbClr val="FFD4B9"/>
                     </a:solidFill>
                   </a:tcPr>
                 </a:tc>
@@ -3880,7 +4100,25 @@
                   </a:txBody>
                   <a:tcPr>
                     <a:solidFill>
-                      <a:srgbClr val="F2F2F2"/>
+                      <a:srgbClr val="FFD4B9"/>
+                    </a:solidFill>
+                  </a:tcPr>
+                </a:tc>
+                <a:tc>
+                  <a:txBody>
+                    <a:bodyPr tIns="18288" bIns="18288" lIns="45720" rIns="45720"/>
+                    <a:lstStyle/>
+                    <a:p>
+                      <a:pPr>
+                        <a:defRPr sz="700">
+                          <a:latin typeface="Arial Narrow"/>
+                        </a:defRPr>
+                      </a:pPr>
+                    </a:p>
+                  </a:txBody>
+                  <a:tcPr>
+                    <a:solidFill>
+                      <a:srgbClr val="FFD4B9"/>
                     </a:solidFill>
                   </a:tcPr>
                 </a:tc>
@@ -3901,7 +4139,7 @@
                   </a:txBody>
                   <a:tcPr>
                     <a:solidFill>
-                      <a:srgbClr val="F2F2F2"/>
+                      <a:srgbClr val="FFD4B9"/>
                     </a:solidFill>
                   </a:tcPr>
                 </a:tc>
@@ -3922,49 +4160,67 @@
                   </a:txBody>
                   <a:tcPr>
                     <a:solidFill>
-                      <a:srgbClr val="F2F2F2"/>
-                    </a:solidFill>
-                  </a:tcPr>
-                </a:tc>
-                <a:tc>
-                  <a:txBody>
-                    <a:bodyPr tIns="18288" bIns="18288" lIns="45720" rIns="45720"/>
-                    <a:lstStyle/>
-                    <a:p>
-                      <a:pPr>
-                        <a:defRPr sz="700">
-                          <a:latin typeface="Arial Narrow"/>
-                        </a:defRPr>
-                      </a:pPr>
-                      <a:r>
-                        <a:t>-6.33719430000000017, 32.34327780000000274</a:t>
-                      </a:r>
-                    </a:p>
-                  </a:txBody>
-                  <a:tcPr>
-                    <a:solidFill>
-                      <a:srgbClr val="F2F2F2"/>
-                    </a:solidFill>
-                  </a:tcPr>
-                </a:tc>
-                <a:tc>
-                  <a:txBody>
-                    <a:bodyPr tIns="18288" bIns="18288" lIns="45720" rIns="45720"/>
-                    <a:lstStyle/>
-                    <a:p>
-                      <a:pPr>
-                        <a:defRPr sz="700">
-                          <a:latin typeface="Arial Narrow"/>
-                        </a:defRPr>
-                      </a:pPr>
-                      <a:r>
-                        <a:t>32.34690000, -6.34261000</a:t>
-                      </a:r>
-                    </a:p>
-                  </a:txBody>
-                  <a:tcPr>
-                    <a:solidFill>
-                      <a:srgbClr val="F2F2F2"/>
+                      <a:srgbClr val="FFD4B9"/>
+                    </a:solidFill>
+                  </a:tcPr>
+                </a:tc>
+                <a:tc>
+                  <a:txBody>
+                    <a:bodyPr tIns="18288" bIns="18288" lIns="45720" rIns="45720"/>
+                    <a:lstStyle/>
+                    <a:p>
+                      <a:pPr>
+                        <a:defRPr sz="700">
+                          <a:latin typeface="Arial Narrow"/>
+                        </a:defRPr>
+                      </a:pPr>
+                    </a:p>
+                  </a:txBody>
+                  <a:tcPr>
+                    <a:solidFill>
+                      <a:srgbClr val="FFD4B9"/>
+                    </a:solidFill>
+                  </a:tcPr>
+                </a:tc>
+                <a:tc>
+                  <a:txBody>
+                    <a:bodyPr tIns="18288" bIns="18288" lIns="45720" rIns="45720"/>
+                    <a:lstStyle/>
+                    <a:p>
+                      <a:pPr>
+                        <a:defRPr sz="700">
+                          <a:latin typeface="Arial Narrow"/>
+                        </a:defRPr>
+                      </a:pPr>
+                      <a:r>
+                        <a:t>-6.33719, 32.34328</a:t>
+                      </a:r>
+                    </a:p>
+                  </a:txBody>
+                  <a:tcPr>
+                    <a:solidFill>
+                      <a:srgbClr val="FFD4B9"/>
+                    </a:solidFill>
+                  </a:tcPr>
+                </a:tc>
+                <a:tc>
+                  <a:txBody>
+                    <a:bodyPr tIns="18288" bIns="18288" lIns="45720" rIns="45720"/>
+                    <a:lstStyle/>
+                    <a:p>
+                      <a:pPr>
+                        <a:defRPr sz="700">
+                          <a:latin typeface="Arial Narrow"/>
+                        </a:defRPr>
+                      </a:pPr>
+                      <a:r>
+                        <a:t>32.34690, -6.34261</a:t>
+                      </a:r>
+                    </a:p>
+                  </a:txBody>
+                  <a:tcPr>
+                    <a:solidFill>
+                      <a:srgbClr val="FFD4B9"/>
                     </a:solidFill>
                   </a:tcPr>
                 </a:tc>
@@ -3985,7 +4241,11 @@
                       </a:r>
                     </a:p>
                   </a:txBody>
-                  <a:tcPr/>
+                  <a:tcPr>
+                    <a:solidFill>
+                      <a:srgbClr val="FFFFFF"/>
+                    </a:solidFill>
+                  </a:tcPr>
                 </a:tc>
                 <a:tc>
                   <a:txBody>
@@ -4002,7 +4262,11 @@
                       </a:r>
                     </a:p>
                   </a:txBody>
-                  <a:tcPr/>
+                  <a:tcPr>
+                    <a:solidFill>
+                      <a:srgbClr val="FFFFFF"/>
+                    </a:solidFill>
+                  </a:tcPr>
                 </a:tc>
                 <a:tc>
                   <a:txBody>
@@ -4019,7 +4283,29 @@
                       </a:r>
                     </a:p>
                   </a:txBody>
-                  <a:tcPr/>
+                  <a:tcPr>
+                    <a:solidFill>
+                      <a:srgbClr val="FFFFFF"/>
+                    </a:solidFill>
+                  </a:tcPr>
+                </a:tc>
+                <a:tc>
+                  <a:txBody>
+                    <a:bodyPr tIns="18288" bIns="18288" lIns="45720" rIns="45720"/>
+                    <a:lstStyle/>
+                    <a:p>
+                      <a:pPr>
+                        <a:defRPr sz="700">
+                          <a:latin typeface="Arial Narrow"/>
+                        </a:defRPr>
+                      </a:pPr>
+                    </a:p>
+                  </a:txBody>
+                  <a:tcPr>
+                    <a:solidFill>
+                      <a:srgbClr val="FFFFFF"/>
+                    </a:solidFill>
+                  </a:tcPr>
                 </a:tc>
                 <a:tc>
                   <a:txBody>
@@ -4036,7 +4322,11 @@
                       </a:r>
                     </a:p>
                   </a:txBody>
-                  <a:tcPr/>
+                  <a:tcPr>
+                    <a:solidFill>
+                      <a:srgbClr val="FFFFFF"/>
+                    </a:solidFill>
+                  </a:tcPr>
                 </a:tc>
                 <a:tc>
                   <a:txBody>
@@ -4053,41 +4343,71 @@
                       </a:r>
                     </a:p>
                   </a:txBody>
-                  <a:tcPr/>
-                </a:tc>
-                <a:tc>
-                  <a:txBody>
-                    <a:bodyPr tIns="18288" bIns="18288" lIns="45720" rIns="45720"/>
-                    <a:lstStyle/>
-                    <a:p>
-                      <a:pPr>
-                        <a:defRPr sz="700">
-                          <a:latin typeface="Arial Narrow"/>
-                        </a:defRPr>
-                      </a:pPr>
-                      <a:r>
-                        <a:t>-6.40436099999999975, 32.30941700000000338</a:t>
-                      </a:r>
-                    </a:p>
-                  </a:txBody>
-                  <a:tcPr/>
-                </a:tc>
-                <a:tc>
-                  <a:txBody>
-                    <a:bodyPr tIns="18288" bIns="18288" lIns="45720" rIns="45720"/>
-                    <a:lstStyle/>
-                    <a:p>
-                      <a:pPr>
-                        <a:defRPr sz="700">
-                          <a:latin typeface="Arial Narrow"/>
-                        </a:defRPr>
-                      </a:pPr>
-                      <a:r>
-                        <a:t>32.30838456, -6.40365472</a:t>
-                      </a:r>
-                    </a:p>
-                  </a:txBody>
-                  <a:tcPr/>
+                  <a:tcPr>
+                    <a:solidFill>
+                      <a:srgbClr val="FFFFFF"/>
+                    </a:solidFill>
+                  </a:tcPr>
+                </a:tc>
+                <a:tc>
+                  <a:txBody>
+                    <a:bodyPr tIns="18288" bIns="18288" lIns="45720" rIns="45720"/>
+                    <a:lstStyle/>
+                    <a:p>
+                      <a:pPr>
+                        <a:defRPr sz="700">
+                          <a:latin typeface="Arial Narrow"/>
+                        </a:defRPr>
+                      </a:pPr>
+                    </a:p>
+                  </a:txBody>
+                  <a:tcPr>
+                    <a:solidFill>
+                      <a:srgbClr val="FFFFFF"/>
+                    </a:solidFill>
+                  </a:tcPr>
+                </a:tc>
+                <a:tc>
+                  <a:txBody>
+                    <a:bodyPr tIns="18288" bIns="18288" lIns="45720" rIns="45720"/>
+                    <a:lstStyle/>
+                    <a:p>
+                      <a:pPr>
+                        <a:defRPr sz="700">
+                          <a:latin typeface="Arial Narrow"/>
+                        </a:defRPr>
+                      </a:pPr>
+                      <a:r>
+                        <a:t>-6.40436, 32.30942</a:t>
+                      </a:r>
+                    </a:p>
+                  </a:txBody>
+                  <a:tcPr>
+                    <a:solidFill>
+                      <a:srgbClr val="FFFFFF"/>
+                    </a:solidFill>
+                  </a:tcPr>
+                </a:tc>
+                <a:tc>
+                  <a:txBody>
+                    <a:bodyPr tIns="18288" bIns="18288" lIns="45720" rIns="45720"/>
+                    <a:lstStyle/>
+                    <a:p>
+                      <a:pPr>
+                        <a:defRPr sz="700">
+                          <a:latin typeface="Arial Narrow"/>
+                        </a:defRPr>
+                      </a:pPr>
+                      <a:r>
+                        <a:t>32.30838, -6.40365</a:t>
+                      </a:r>
+                    </a:p>
+                  </a:txBody>
+                  <a:tcPr>
+                    <a:solidFill>
+                      <a:srgbClr val="FFFFFF"/>
+                    </a:solidFill>
+                  </a:tcPr>
                 </a:tc>
               </a:tr>
               <a:tr h="18000">
@@ -4108,7 +4428,7 @@
                   </a:txBody>
                   <a:tcPr>
                     <a:solidFill>
-                      <a:srgbClr val="F2F2F2"/>
+                      <a:srgbClr val="FFD4B9"/>
                     </a:solidFill>
                   </a:tcPr>
                 </a:tc>
@@ -4129,7 +4449,7 @@
                   </a:txBody>
                   <a:tcPr>
                     <a:solidFill>
-                      <a:srgbClr val="F2F2F2"/>
+                      <a:srgbClr val="FFD4B9"/>
                     </a:solidFill>
                   </a:tcPr>
                 </a:tc>
@@ -4150,7 +4470,25 @@
                   </a:txBody>
                   <a:tcPr>
                     <a:solidFill>
-                      <a:srgbClr val="F2F2F2"/>
+                      <a:srgbClr val="FFD4B9"/>
+                    </a:solidFill>
+                  </a:tcPr>
+                </a:tc>
+                <a:tc>
+                  <a:txBody>
+                    <a:bodyPr tIns="18288" bIns="18288" lIns="45720" rIns="45720"/>
+                    <a:lstStyle/>
+                    <a:p>
+                      <a:pPr>
+                        <a:defRPr sz="700">
+                          <a:latin typeface="Arial Narrow"/>
+                        </a:defRPr>
+                      </a:pPr>
+                    </a:p>
+                  </a:txBody>
+                  <a:tcPr>
+                    <a:solidFill>
+                      <a:srgbClr val="FFD4B9"/>
                     </a:solidFill>
                   </a:tcPr>
                 </a:tc>
@@ -4171,7 +4509,7 @@
                   </a:txBody>
                   <a:tcPr>
                     <a:solidFill>
-                      <a:srgbClr val="F2F2F2"/>
+                      <a:srgbClr val="FFD4B9"/>
                     </a:solidFill>
                   </a:tcPr>
                 </a:tc>
@@ -4192,49 +4530,67 @@
                   </a:txBody>
                   <a:tcPr>
                     <a:solidFill>
-                      <a:srgbClr val="F2F2F2"/>
-                    </a:solidFill>
-                  </a:tcPr>
-                </a:tc>
-                <a:tc>
-                  <a:txBody>
-                    <a:bodyPr tIns="18288" bIns="18288" lIns="45720" rIns="45720"/>
-                    <a:lstStyle/>
-                    <a:p>
-                      <a:pPr>
-                        <a:defRPr sz="700">
-                          <a:latin typeface="Arial Narrow"/>
-                        </a:defRPr>
-                      </a:pPr>
-                      <a:r>
-                        <a:t>-6.35571999999999981, 32.35020000000000095</a:t>
-                      </a:r>
-                    </a:p>
-                  </a:txBody>
-                  <a:tcPr>
-                    <a:solidFill>
-                      <a:srgbClr val="F2F2F2"/>
-                    </a:solidFill>
-                  </a:tcPr>
-                </a:tc>
-                <a:tc>
-                  <a:txBody>
-                    <a:bodyPr tIns="18288" bIns="18288" lIns="45720" rIns="45720"/>
-                    <a:lstStyle/>
-                    <a:p>
-                      <a:pPr>
-                        <a:defRPr sz="700">
-                          <a:latin typeface="Arial Narrow"/>
-                        </a:defRPr>
-                      </a:pPr>
-                      <a:r>
-                        <a:t>32.34527433, -6.35411350</a:t>
-                      </a:r>
-                    </a:p>
-                  </a:txBody>
-                  <a:tcPr>
-                    <a:solidFill>
-                      <a:srgbClr val="F2F2F2"/>
+                      <a:srgbClr val="FFD4B9"/>
+                    </a:solidFill>
+                  </a:tcPr>
+                </a:tc>
+                <a:tc>
+                  <a:txBody>
+                    <a:bodyPr tIns="18288" bIns="18288" lIns="45720" rIns="45720"/>
+                    <a:lstStyle/>
+                    <a:p>
+                      <a:pPr>
+                        <a:defRPr sz="700">
+                          <a:latin typeface="Arial Narrow"/>
+                        </a:defRPr>
+                      </a:pPr>
+                    </a:p>
+                  </a:txBody>
+                  <a:tcPr>
+                    <a:solidFill>
+                      <a:srgbClr val="FFD4B9"/>
+                    </a:solidFill>
+                  </a:tcPr>
+                </a:tc>
+                <a:tc>
+                  <a:txBody>
+                    <a:bodyPr tIns="18288" bIns="18288" lIns="45720" rIns="45720"/>
+                    <a:lstStyle/>
+                    <a:p>
+                      <a:pPr>
+                        <a:defRPr sz="700">
+                          <a:latin typeface="Arial Narrow"/>
+                        </a:defRPr>
+                      </a:pPr>
+                      <a:r>
+                        <a:t>-6.35572, 32.35020</a:t>
+                      </a:r>
+                    </a:p>
+                  </a:txBody>
+                  <a:tcPr>
+                    <a:solidFill>
+                      <a:srgbClr val="FFD4B9"/>
+                    </a:solidFill>
+                  </a:tcPr>
+                </a:tc>
+                <a:tc>
+                  <a:txBody>
+                    <a:bodyPr tIns="18288" bIns="18288" lIns="45720" rIns="45720"/>
+                    <a:lstStyle/>
+                    <a:p>
+                      <a:pPr>
+                        <a:defRPr sz="700">
+                          <a:latin typeface="Arial Narrow"/>
+                        </a:defRPr>
+                      </a:pPr>
+                      <a:r>
+                        <a:t>32.34527, -6.35411</a:t>
+                      </a:r>
+                    </a:p>
+                  </a:txBody>
+                  <a:tcPr>
+                    <a:solidFill>
+                      <a:srgbClr val="FFD4B9"/>
                     </a:solidFill>
                   </a:tcPr>
                 </a:tc>
@@ -4255,7 +4611,11 @@
                       </a:r>
                     </a:p>
                   </a:txBody>
-                  <a:tcPr/>
+                  <a:tcPr>
+                    <a:solidFill>
+                      <a:srgbClr val="FFFFFF"/>
+                    </a:solidFill>
+                  </a:tcPr>
                 </a:tc>
                 <a:tc>
                   <a:txBody>
@@ -4272,7 +4632,11 @@
                       </a:r>
                     </a:p>
                   </a:txBody>
-                  <a:tcPr/>
+                  <a:tcPr>
+                    <a:solidFill>
+                      <a:srgbClr val="FFFFFF"/>
+                    </a:solidFill>
+                  </a:tcPr>
                 </a:tc>
                 <a:tc>
                   <a:txBody>
@@ -4289,7 +4653,29 @@
                       </a:r>
                     </a:p>
                   </a:txBody>
-                  <a:tcPr/>
+                  <a:tcPr>
+                    <a:solidFill>
+                      <a:srgbClr val="FFFFFF"/>
+                    </a:solidFill>
+                  </a:tcPr>
+                </a:tc>
+                <a:tc>
+                  <a:txBody>
+                    <a:bodyPr tIns="18288" bIns="18288" lIns="45720" rIns="45720"/>
+                    <a:lstStyle/>
+                    <a:p>
+                      <a:pPr>
+                        <a:defRPr sz="700">
+                          <a:latin typeface="Arial Narrow"/>
+                        </a:defRPr>
+                      </a:pPr>
+                    </a:p>
+                  </a:txBody>
+                  <a:tcPr>
+                    <a:solidFill>
+                      <a:srgbClr val="FFFFFF"/>
+                    </a:solidFill>
+                  </a:tcPr>
                 </a:tc>
                 <a:tc>
                   <a:txBody>
@@ -4306,7 +4692,11 @@
                       </a:r>
                     </a:p>
                   </a:txBody>
-                  <a:tcPr/>
+                  <a:tcPr>
+                    <a:solidFill>
+                      <a:srgbClr val="FFFFFF"/>
+                    </a:solidFill>
+                  </a:tcPr>
                 </a:tc>
                 <a:tc>
                   <a:txBody>
@@ -4323,41 +4713,71 @@
                       </a:r>
                     </a:p>
                   </a:txBody>
-                  <a:tcPr/>
-                </a:tc>
-                <a:tc>
-                  <a:txBody>
-                    <a:bodyPr tIns="18288" bIns="18288" lIns="45720" rIns="45720"/>
-                    <a:lstStyle/>
-                    <a:p>
-                      <a:pPr>
-                        <a:defRPr sz="700">
-                          <a:latin typeface="Arial Narrow"/>
-                        </a:defRPr>
-                      </a:pPr>
-                      <a:r>
-                        <a:t>-6.39205559999999995, 32.32858329999999825</a:t>
-                      </a:r>
-                    </a:p>
-                  </a:txBody>
-                  <a:tcPr/>
-                </a:tc>
-                <a:tc>
-                  <a:txBody>
-                    <a:bodyPr tIns="18288" bIns="18288" lIns="45720" rIns="45720"/>
-                    <a:lstStyle/>
-                    <a:p>
-                      <a:pPr>
-                        <a:defRPr sz="700">
-                          <a:latin typeface="Arial Narrow"/>
-                        </a:defRPr>
-                      </a:pPr>
-                      <a:r>
-                        <a:t>32.33058060, -6.37632220</a:t>
-                      </a:r>
-                    </a:p>
-                  </a:txBody>
-                  <a:tcPr/>
+                  <a:tcPr>
+                    <a:solidFill>
+                      <a:srgbClr val="FFFFFF"/>
+                    </a:solidFill>
+                  </a:tcPr>
+                </a:tc>
+                <a:tc>
+                  <a:txBody>
+                    <a:bodyPr tIns="18288" bIns="18288" lIns="45720" rIns="45720"/>
+                    <a:lstStyle/>
+                    <a:p>
+                      <a:pPr>
+                        <a:defRPr sz="700">
+                          <a:latin typeface="Arial Narrow"/>
+                        </a:defRPr>
+                      </a:pPr>
+                    </a:p>
+                  </a:txBody>
+                  <a:tcPr>
+                    <a:solidFill>
+                      <a:srgbClr val="FFFFFF"/>
+                    </a:solidFill>
+                  </a:tcPr>
+                </a:tc>
+                <a:tc>
+                  <a:txBody>
+                    <a:bodyPr tIns="18288" bIns="18288" lIns="45720" rIns="45720"/>
+                    <a:lstStyle/>
+                    <a:p>
+                      <a:pPr>
+                        <a:defRPr sz="700">
+                          <a:latin typeface="Arial Narrow"/>
+                        </a:defRPr>
+                      </a:pPr>
+                      <a:r>
+                        <a:t>-6.39206, 32.32858</a:t>
+                      </a:r>
+                    </a:p>
+                  </a:txBody>
+                  <a:tcPr>
+                    <a:solidFill>
+                      <a:srgbClr val="FFFFFF"/>
+                    </a:solidFill>
+                  </a:tcPr>
+                </a:tc>
+                <a:tc>
+                  <a:txBody>
+                    <a:bodyPr tIns="18288" bIns="18288" lIns="45720" rIns="45720"/>
+                    <a:lstStyle/>
+                    <a:p>
+                      <a:pPr>
+                        <a:defRPr sz="700">
+                          <a:latin typeface="Arial Narrow"/>
+                        </a:defRPr>
+                      </a:pPr>
+                      <a:r>
+                        <a:t>32.33058, -6.37632</a:t>
+                      </a:r>
+                    </a:p>
+                  </a:txBody>
+                  <a:tcPr>
+                    <a:solidFill>
+                      <a:srgbClr val="FFFFFF"/>
+                    </a:solidFill>
+                  </a:tcPr>
                 </a:tc>
               </a:tr>
               <a:tr h="18000">
@@ -4378,7 +4798,7 @@
                   </a:txBody>
                   <a:tcPr>
                     <a:solidFill>
-                      <a:srgbClr val="F2F2F2"/>
+                      <a:srgbClr val="FFD4B9"/>
                     </a:solidFill>
                   </a:tcPr>
                 </a:tc>
@@ -4399,7 +4819,7 @@
                   </a:txBody>
                   <a:tcPr>
                     <a:solidFill>
-                      <a:srgbClr val="F2F2F2"/>
+                      <a:srgbClr val="FFD4B9"/>
                     </a:solidFill>
                   </a:tcPr>
                 </a:tc>
@@ -4420,7 +4840,25 @@
                   </a:txBody>
                   <a:tcPr>
                     <a:solidFill>
-                      <a:srgbClr val="F2F2F2"/>
+                      <a:srgbClr val="FFD4B9"/>
+                    </a:solidFill>
+                  </a:tcPr>
+                </a:tc>
+                <a:tc>
+                  <a:txBody>
+                    <a:bodyPr tIns="18288" bIns="18288" lIns="45720" rIns="45720"/>
+                    <a:lstStyle/>
+                    <a:p>
+                      <a:pPr>
+                        <a:defRPr sz="700">
+                          <a:latin typeface="Arial Narrow"/>
+                        </a:defRPr>
+                      </a:pPr>
+                    </a:p>
+                  </a:txBody>
+                  <a:tcPr>
+                    <a:solidFill>
+                      <a:srgbClr val="FFD4B9"/>
                     </a:solidFill>
                   </a:tcPr>
                 </a:tc>
@@ -4441,7 +4879,7 @@
                   </a:txBody>
                   <a:tcPr>
                     <a:solidFill>
-                      <a:srgbClr val="F2F2F2"/>
+                      <a:srgbClr val="FFD4B9"/>
                     </a:solidFill>
                   </a:tcPr>
                 </a:tc>
@@ -4462,49 +4900,67 @@
                   </a:txBody>
                   <a:tcPr>
                     <a:solidFill>
-                      <a:srgbClr val="F2F2F2"/>
-                    </a:solidFill>
-                  </a:tcPr>
-                </a:tc>
-                <a:tc>
-                  <a:txBody>
-                    <a:bodyPr tIns="18288" bIns="18288" lIns="45720" rIns="45720"/>
-                    <a:lstStyle/>
-                    <a:p>
-                      <a:pPr>
-                        <a:defRPr sz="700">
-                          <a:latin typeface="Arial Narrow"/>
-                        </a:defRPr>
-                      </a:pPr>
-                      <a:r>
-                        <a:t>-6.4157219999999997, 32.30641700000000327</a:t>
-                      </a:r>
-                    </a:p>
-                  </a:txBody>
-                  <a:tcPr>
-                    <a:solidFill>
-                      <a:srgbClr val="F2F2F2"/>
-                    </a:solidFill>
-                  </a:tcPr>
-                </a:tc>
-                <a:tc>
-                  <a:txBody>
-                    <a:bodyPr tIns="18288" bIns="18288" lIns="45720" rIns="45720"/>
-                    <a:lstStyle/>
-                    <a:p>
-                      <a:pPr>
-                        <a:defRPr sz="700">
-                          <a:latin typeface="Arial Narrow"/>
-                        </a:defRPr>
-                      </a:pPr>
-                      <a:r>
-                        <a:t>32.30266710, -6.41279694</a:t>
-                      </a:r>
-                    </a:p>
-                  </a:txBody>
-                  <a:tcPr>
-                    <a:solidFill>
-                      <a:srgbClr val="F2F2F2"/>
+                      <a:srgbClr val="FFD4B9"/>
+                    </a:solidFill>
+                  </a:tcPr>
+                </a:tc>
+                <a:tc>
+                  <a:txBody>
+                    <a:bodyPr tIns="18288" bIns="18288" lIns="45720" rIns="45720"/>
+                    <a:lstStyle/>
+                    <a:p>
+                      <a:pPr>
+                        <a:defRPr sz="700">
+                          <a:latin typeface="Arial Narrow"/>
+                        </a:defRPr>
+                      </a:pPr>
+                    </a:p>
+                  </a:txBody>
+                  <a:tcPr>
+                    <a:solidFill>
+                      <a:srgbClr val="FFD4B9"/>
+                    </a:solidFill>
+                  </a:tcPr>
+                </a:tc>
+                <a:tc>
+                  <a:txBody>
+                    <a:bodyPr tIns="18288" bIns="18288" lIns="45720" rIns="45720"/>
+                    <a:lstStyle/>
+                    <a:p>
+                      <a:pPr>
+                        <a:defRPr sz="700">
+                          <a:latin typeface="Arial Narrow"/>
+                        </a:defRPr>
+                      </a:pPr>
+                      <a:r>
+                        <a:t>-6.41572, 32.30642</a:t>
+                      </a:r>
+                    </a:p>
+                  </a:txBody>
+                  <a:tcPr>
+                    <a:solidFill>
+                      <a:srgbClr val="FFD4B9"/>
+                    </a:solidFill>
+                  </a:tcPr>
+                </a:tc>
+                <a:tc>
+                  <a:txBody>
+                    <a:bodyPr tIns="18288" bIns="18288" lIns="45720" rIns="45720"/>
+                    <a:lstStyle/>
+                    <a:p>
+                      <a:pPr>
+                        <a:defRPr sz="700">
+                          <a:latin typeface="Arial Narrow"/>
+                        </a:defRPr>
+                      </a:pPr>
+                      <a:r>
+                        <a:t>32.30267, -6.41280</a:t>
+                      </a:r>
+                    </a:p>
+                  </a:txBody>
+                  <a:tcPr>
+                    <a:solidFill>
+                      <a:srgbClr val="FFD4B9"/>
                     </a:solidFill>
                   </a:tcPr>
                 </a:tc>
@@ -4525,7 +4981,11 @@
                       </a:r>
                     </a:p>
                   </a:txBody>
-                  <a:tcPr/>
+                  <a:tcPr>
+                    <a:solidFill>
+                      <a:srgbClr val="FFFFFF"/>
+                    </a:solidFill>
+                  </a:tcPr>
                 </a:tc>
                 <a:tc>
                   <a:txBody>
@@ -4542,7 +5002,11 @@
                       </a:r>
                     </a:p>
                   </a:txBody>
-                  <a:tcPr/>
+                  <a:tcPr>
+                    <a:solidFill>
+                      <a:srgbClr val="FFFFFF"/>
+                    </a:solidFill>
+                  </a:tcPr>
                 </a:tc>
                 <a:tc>
                   <a:txBody>
@@ -4559,7 +5023,29 @@
                       </a:r>
                     </a:p>
                   </a:txBody>
-                  <a:tcPr/>
+                  <a:tcPr>
+                    <a:solidFill>
+                      <a:srgbClr val="FFFFFF"/>
+                    </a:solidFill>
+                  </a:tcPr>
+                </a:tc>
+                <a:tc>
+                  <a:txBody>
+                    <a:bodyPr tIns="18288" bIns="18288" lIns="45720" rIns="45720"/>
+                    <a:lstStyle/>
+                    <a:p>
+                      <a:pPr>
+                        <a:defRPr sz="700">
+                          <a:latin typeface="Arial Narrow"/>
+                        </a:defRPr>
+                      </a:pPr>
+                    </a:p>
+                  </a:txBody>
+                  <a:tcPr>
+                    <a:solidFill>
+                      <a:srgbClr val="FFFFFF"/>
+                    </a:solidFill>
+                  </a:tcPr>
                 </a:tc>
                 <a:tc>
                   <a:txBody>
@@ -4576,7 +5062,11 @@
                       </a:r>
                     </a:p>
                   </a:txBody>
-                  <a:tcPr/>
+                  <a:tcPr>
+                    <a:solidFill>
+                      <a:srgbClr val="FFFFFF"/>
+                    </a:solidFill>
+                  </a:tcPr>
                 </a:tc>
                 <a:tc>
                   <a:txBody>
@@ -4593,41 +5083,71 @@
                       </a:r>
                     </a:p>
                   </a:txBody>
-                  <a:tcPr/>
-                </a:tc>
-                <a:tc>
-                  <a:txBody>
-                    <a:bodyPr tIns="18288" bIns="18288" lIns="45720" rIns="45720"/>
-                    <a:lstStyle/>
-                    <a:p>
-                      <a:pPr>
-                        <a:defRPr sz="700">
-                          <a:latin typeface="Arial Narrow"/>
-                        </a:defRPr>
-                      </a:pPr>
-                      <a:r>
-                        <a:t>-6.38178900000000038, 32.31563899999999734</a:t>
-                      </a:r>
-                    </a:p>
-                  </a:txBody>
-                  <a:tcPr/>
-                </a:tc>
-                <a:tc>
-                  <a:txBody>
-                    <a:bodyPr tIns="18288" bIns="18288" lIns="45720" rIns="45720"/>
-                    <a:lstStyle/>
-                    <a:p>
-                      <a:pPr>
-                        <a:defRPr sz="700">
-                          <a:latin typeface="Arial Narrow"/>
-                        </a:defRPr>
-                      </a:pPr>
-                      <a:r>
-                        <a:t>32.32110000, -6.38259000</a:t>
-                      </a:r>
-                    </a:p>
-                  </a:txBody>
-                  <a:tcPr/>
+                  <a:tcPr>
+                    <a:solidFill>
+                      <a:srgbClr val="FFFFFF"/>
+                    </a:solidFill>
+                  </a:tcPr>
+                </a:tc>
+                <a:tc>
+                  <a:txBody>
+                    <a:bodyPr tIns="18288" bIns="18288" lIns="45720" rIns="45720"/>
+                    <a:lstStyle/>
+                    <a:p>
+                      <a:pPr>
+                        <a:defRPr sz="700">
+                          <a:latin typeface="Arial Narrow"/>
+                        </a:defRPr>
+                      </a:pPr>
+                    </a:p>
+                  </a:txBody>
+                  <a:tcPr>
+                    <a:solidFill>
+                      <a:srgbClr val="FFFFFF"/>
+                    </a:solidFill>
+                  </a:tcPr>
+                </a:tc>
+                <a:tc>
+                  <a:txBody>
+                    <a:bodyPr tIns="18288" bIns="18288" lIns="45720" rIns="45720"/>
+                    <a:lstStyle/>
+                    <a:p>
+                      <a:pPr>
+                        <a:defRPr sz="700">
+                          <a:latin typeface="Arial Narrow"/>
+                        </a:defRPr>
+                      </a:pPr>
+                      <a:r>
+                        <a:t>-6.38179, 32.31564</a:t>
+                      </a:r>
+                    </a:p>
+                  </a:txBody>
+                  <a:tcPr>
+                    <a:solidFill>
+                      <a:srgbClr val="FFFFFF"/>
+                    </a:solidFill>
+                  </a:tcPr>
+                </a:tc>
+                <a:tc>
+                  <a:txBody>
+                    <a:bodyPr tIns="18288" bIns="18288" lIns="45720" rIns="45720"/>
+                    <a:lstStyle/>
+                    <a:p>
+                      <a:pPr>
+                        <a:defRPr sz="700">
+                          <a:latin typeface="Arial Narrow"/>
+                        </a:defRPr>
+                      </a:pPr>
+                      <a:r>
+                        <a:t>32.32110, -6.38259</a:t>
+                      </a:r>
+                    </a:p>
+                  </a:txBody>
+                  <a:tcPr>
+                    <a:solidFill>
+                      <a:srgbClr val="FFFFFF"/>
+                    </a:solidFill>
+                  </a:tcPr>
                 </a:tc>
               </a:tr>
               <a:tr h="18000">
@@ -4648,7 +5168,7 @@
                   </a:txBody>
                   <a:tcPr>
                     <a:solidFill>
-                      <a:srgbClr val="F2F2F2"/>
+                      <a:srgbClr val="FFD4B9"/>
                     </a:solidFill>
                   </a:tcPr>
                 </a:tc>
@@ -4669,7 +5189,7 @@
                   </a:txBody>
                   <a:tcPr>
                     <a:solidFill>
-                      <a:srgbClr val="F2F2F2"/>
+                      <a:srgbClr val="FFD4B9"/>
                     </a:solidFill>
                   </a:tcPr>
                 </a:tc>
@@ -4690,7 +5210,25 @@
                   </a:txBody>
                   <a:tcPr>
                     <a:solidFill>
-                      <a:srgbClr val="F2F2F2"/>
+                      <a:srgbClr val="FFD4B9"/>
+                    </a:solidFill>
+                  </a:tcPr>
+                </a:tc>
+                <a:tc>
+                  <a:txBody>
+                    <a:bodyPr tIns="18288" bIns="18288" lIns="45720" rIns="45720"/>
+                    <a:lstStyle/>
+                    <a:p>
+                      <a:pPr>
+                        <a:defRPr sz="700">
+                          <a:latin typeface="Arial Narrow"/>
+                        </a:defRPr>
+                      </a:pPr>
+                    </a:p>
+                  </a:txBody>
+                  <a:tcPr>
+                    <a:solidFill>
+                      <a:srgbClr val="FFD4B9"/>
                     </a:solidFill>
                   </a:tcPr>
                 </a:tc>
@@ -4711,7 +5249,7 @@
                   </a:txBody>
                   <a:tcPr>
                     <a:solidFill>
-                      <a:srgbClr val="F2F2F2"/>
+                      <a:srgbClr val="FFD4B9"/>
                     </a:solidFill>
                   </a:tcPr>
                 </a:tc>
@@ -4732,49 +5270,67 @@
                   </a:txBody>
                   <a:tcPr>
                     <a:solidFill>
-                      <a:srgbClr val="F2F2F2"/>
-                    </a:solidFill>
-                  </a:tcPr>
-                </a:tc>
-                <a:tc>
-                  <a:txBody>
-                    <a:bodyPr tIns="18288" bIns="18288" lIns="45720" rIns="45720"/>
-                    <a:lstStyle/>
-                    <a:p>
-                      <a:pPr>
-                        <a:defRPr sz="700">
-                          <a:latin typeface="Arial Narrow"/>
-                        </a:defRPr>
-                      </a:pPr>
-                      <a:r>
-                        <a:t>-6.35197199999999995, 32.35802799999999735</a:t>
-                      </a:r>
-                    </a:p>
-                  </a:txBody>
-                  <a:tcPr>
-                    <a:solidFill>
-                      <a:srgbClr val="F2F2F2"/>
-                    </a:solidFill>
-                  </a:tcPr>
-                </a:tc>
-                <a:tc>
-                  <a:txBody>
-                    <a:bodyPr tIns="18288" bIns="18288" lIns="45720" rIns="45720"/>
-                    <a:lstStyle/>
-                    <a:p>
-                      <a:pPr>
-                        <a:defRPr sz="700">
-                          <a:latin typeface="Arial Narrow"/>
-                        </a:defRPr>
-                      </a:pPr>
-                      <a:r>
-                        <a:t>32.34527433, -6.35411350</a:t>
-                      </a:r>
-                    </a:p>
-                  </a:txBody>
-                  <a:tcPr>
-                    <a:solidFill>
-                      <a:srgbClr val="F2F2F2"/>
+                      <a:srgbClr val="FFD4B9"/>
+                    </a:solidFill>
+                  </a:tcPr>
+                </a:tc>
+                <a:tc>
+                  <a:txBody>
+                    <a:bodyPr tIns="18288" bIns="18288" lIns="45720" rIns="45720"/>
+                    <a:lstStyle/>
+                    <a:p>
+                      <a:pPr>
+                        <a:defRPr sz="700">
+                          <a:latin typeface="Arial Narrow"/>
+                        </a:defRPr>
+                      </a:pPr>
+                    </a:p>
+                  </a:txBody>
+                  <a:tcPr>
+                    <a:solidFill>
+                      <a:srgbClr val="FFD4B9"/>
+                    </a:solidFill>
+                  </a:tcPr>
+                </a:tc>
+                <a:tc>
+                  <a:txBody>
+                    <a:bodyPr tIns="18288" bIns="18288" lIns="45720" rIns="45720"/>
+                    <a:lstStyle/>
+                    <a:p>
+                      <a:pPr>
+                        <a:defRPr sz="700">
+                          <a:latin typeface="Arial Narrow"/>
+                        </a:defRPr>
+                      </a:pPr>
+                      <a:r>
+                        <a:t>-6.35197, 32.35803</a:t>
+                      </a:r>
+                    </a:p>
+                  </a:txBody>
+                  <a:tcPr>
+                    <a:solidFill>
+                      <a:srgbClr val="FFD4B9"/>
+                    </a:solidFill>
+                  </a:tcPr>
+                </a:tc>
+                <a:tc>
+                  <a:txBody>
+                    <a:bodyPr tIns="18288" bIns="18288" lIns="45720" rIns="45720"/>
+                    <a:lstStyle/>
+                    <a:p>
+                      <a:pPr>
+                        <a:defRPr sz="700">
+                          <a:latin typeface="Arial Narrow"/>
+                        </a:defRPr>
+                      </a:pPr>
+                      <a:r>
+                        <a:t>32.34527, -6.35411</a:t>
+                      </a:r>
+                    </a:p>
+                  </a:txBody>
+                  <a:tcPr>
+                    <a:solidFill>
+                      <a:srgbClr val="FFD4B9"/>
                     </a:solidFill>
                   </a:tcPr>
                 </a:tc>
@@ -4795,7 +5351,11 @@
                       </a:r>
                     </a:p>
                   </a:txBody>
-                  <a:tcPr/>
+                  <a:tcPr>
+                    <a:solidFill>
+                      <a:srgbClr val="FFFFFF"/>
+                    </a:solidFill>
+                  </a:tcPr>
                 </a:tc>
                 <a:tc>
                   <a:txBody>
@@ -4812,7 +5372,11 @@
                       </a:r>
                     </a:p>
                   </a:txBody>
-                  <a:tcPr/>
+                  <a:tcPr>
+                    <a:solidFill>
+                      <a:srgbClr val="FFFFFF"/>
+                    </a:solidFill>
+                  </a:tcPr>
                 </a:tc>
                 <a:tc>
                   <a:txBody>
@@ -4829,7 +5393,29 @@
                       </a:r>
                     </a:p>
                   </a:txBody>
-                  <a:tcPr/>
+                  <a:tcPr>
+                    <a:solidFill>
+                      <a:srgbClr val="FFFFFF"/>
+                    </a:solidFill>
+                  </a:tcPr>
+                </a:tc>
+                <a:tc>
+                  <a:txBody>
+                    <a:bodyPr tIns="18288" bIns="18288" lIns="45720" rIns="45720"/>
+                    <a:lstStyle/>
+                    <a:p>
+                      <a:pPr>
+                        <a:defRPr sz="700">
+                          <a:latin typeface="Arial Narrow"/>
+                        </a:defRPr>
+                      </a:pPr>
+                    </a:p>
+                  </a:txBody>
+                  <a:tcPr>
+                    <a:solidFill>
+                      <a:srgbClr val="FFFFFF"/>
+                    </a:solidFill>
+                  </a:tcPr>
                 </a:tc>
                 <a:tc>
                   <a:txBody>
@@ -4846,7 +5432,11 @@
                       </a:r>
                     </a:p>
                   </a:txBody>
-                  <a:tcPr/>
+                  <a:tcPr>
+                    <a:solidFill>
+                      <a:srgbClr val="FFFFFF"/>
+                    </a:solidFill>
+                  </a:tcPr>
                 </a:tc>
                 <a:tc>
                   <a:txBody>
@@ -4863,41 +5453,71 @@
                       </a:r>
                     </a:p>
                   </a:txBody>
-                  <a:tcPr/>
-                </a:tc>
-                <a:tc>
-                  <a:txBody>
-                    <a:bodyPr tIns="18288" bIns="18288" lIns="45720" rIns="45720"/>
-                    <a:lstStyle/>
-                    <a:p>
-                      <a:pPr>
-                        <a:defRPr sz="700">
-                          <a:latin typeface="Arial Narrow"/>
-                        </a:defRPr>
-                      </a:pPr>
-                      <a:r>
-                        <a:t>-6.35775000000000023, 32.35794400000000337</a:t>
-                      </a:r>
-                    </a:p>
-                  </a:txBody>
-                  <a:tcPr/>
-                </a:tc>
-                <a:tc>
-                  <a:txBody>
-                    <a:bodyPr tIns="18288" bIns="18288" lIns="45720" rIns="45720"/>
-                    <a:lstStyle/>
-                    <a:p>
-                      <a:pPr>
-                        <a:defRPr sz="700">
-                          <a:latin typeface="Arial Narrow"/>
-                        </a:defRPr>
-                      </a:pPr>
-                      <a:r>
-                        <a:t>32.34527433, -6.35411350</a:t>
-                      </a:r>
-                    </a:p>
-                  </a:txBody>
-                  <a:tcPr/>
+                  <a:tcPr>
+                    <a:solidFill>
+                      <a:srgbClr val="FFFFFF"/>
+                    </a:solidFill>
+                  </a:tcPr>
+                </a:tc>
+                <a:tc>
+                  <a:txBody>
+                    <a:bodyPr tIns="18288" bIns="18288" lIns="45720" rIns="45720"/>
+                    <a:lstStyle/>
+                    <a:p>
+                      <a:pPr>
+                        <a:defRPr sz="700">
+                          <a:latin typeface="Arial Narrow"/>
+                        </a:defRPr>
+                      </a:pPr>
+                    </a:p>
+                  </a:txBody>
+                  <a:tcPr>
+                    <a:solidFill>
+                      <a:srgbClr val="FFFFFF"/>
+                    </a:solidFill>
+                  </a:tcPr>
+                </a:tc>
+                <a:tc>
+                  <a:txBody>
+                    <a:bodyPr tIns="18288" bIns="18288" lIns="45720" rIns="45720"/>
+                    <a:lstStyle/>
+                    <a:p>
+                      <a:pPr>
+                        <a:defRPr sz="700">
+                          <a:latin typeface="Arial Narrow"/>
+                        </a:defRPr>
+                      </a:pPr>
+                      <a:r>
+                        <a:t>-6.35775, 32.35794</a:t>
+                      </a:r>
+                    </a:p>
+                  </a:txBody>
+                  <a:tcPr>
+                    <a:solidFill>
+                      <a:srgbClr val="FFFFFF"/>
+                    </a:solidFill>
+                  </a:tcPr>
+                </a:tc>
+                <a:tc>
+                  <a:txBody>
+                    <a:bodyPr tIns="18288" bIns="18288" lIns="45720" rIns="45720"/>
+                    <a:lstStyle/>
+                    <a:p>
+                      <a:pPr>
+                        <a:defRPr sz="700">
+                          <a:latin typeface="Arial Narrow"/>
+                        </a:defRPr>
+                      </a:pPr>
+                      <a:r>
+                        <a:t>32.34527, -6.35411</a:t>
+                      </a:r>
+                    </a:p>
+                  </a:txBody>
+                  <a:tcPr>
+                    <a:solidFill>
+                      <a:srgbClr val="FFFFFF"/>
+                    </a:solidFill>
+                  </a:tcPr>
                 </a:tc>
               </a:tr>
               <a:tr h="18000">
@@ -4918,7 +5538,7 @@
                   </a:txBody>
                   <a:tcPr>
                     <a:solidFill>
-                      <a:srgbClr val="F2F2F2"/>
+                      <a:srgbClr val="FFD4B9"/>
                     </a:solidFill>
                   </a:tcPr>
                 </a:tc>
@@ -4939,7 +5559,7 @@
                   </a:txBody>
                   <a:tcPr>
                     <a:solidFill>
-                      <a:srgbClr val="F2F2F2"/>
+                      <a:srgbClr val="FFD4B9"/>
                     </a:solidFill>
                   </a:tcPr>
                 </a:tc>
@@ -4960,7 +5580,25 @@
                   </a:txBody>
                   <a:tcPr>
                     <a:solidFill>
-                      <a:srgbClr val="F2F2F2"/>
+                      <a:srgbClr val="FFD4B9"/>
+                    </a:solidFill>
+                  </a:tcPr>
+                </a:tc>
+                <a:tc>
+                  <a:txBody>
+                    <a:bodyPr tIns="18288" bIns="18288" lIns="45720" rIns="45720"/>
+                    <a:lstStyle/>
+                    <a:p>
+                      <a:pPr>
+                        <a:defRPr sz="700">
+                          <a:latin typeface="Arial Narrow"/>
+                        </a:defRPr>
+                      </a:pPr>
+                    </a:p>
+                  </a:txBody>
+                  <a:tcPr>
+                    <a:solidFill>
+                      <a:srgbClr val="FFD4B9"/>
                     </a:solidFill>
                   </a:tcPr>
                 </a:tc>
@@ -4981,7 +5619,7 @@
                   </a:txBody>
                   <a:tcPr>
                     <a:solidFill>
-                      <a:srgbClr val="F2F2F2"/>
+                      <a:srgbClr val="FFD4B9"/>
                     </a:solidFill>
                   </a:tcPr>
                 </a:tc>
@@ -5002,49 +5640,67 @@
                   </a:txBody>
                   <a:tcPr>
                     <a:solidFill>
-                      <a:srgbClr val="F2F2F2"/>
-                    </a:solidFill>
-                  </a:tcPr>
-                </a:tc>
-                <a:tc>
-                  <a:txBody>
-                    <a:bodyPr tIns="18288" bIns="18288" lIns="45720" rIns="45720"/>
-                    <a:lstStyle/>
-                    <a:p>
-                      <a:pPr>
-                        <a:defRPr sz="700">
-                          <a:latin typeface="Arial Narrow"/>
-                        </a:defRPr>
-                      </a:pPr>
-                      <a:r>
-                        <a:t>-6.36191990000000018, 32.35580000000000211</a:t>
-                      </a:r>
-                    </a:p>
-                  </a:txBody>
-                  <a:tcPr>
-                    <a:solidFill>
-                      <a:srgbClr val="F2F2F2"/>
-                    </a:solidFill>
-                  </a:tcPr>
-                </a:tc>
-                <a:tc>
-                  <a:txBody>
-                    <a:bodyPr tIns="18288" bIns="18288" lIns="45720" rIns="45720"/>
-                    <a:lstStyle/>
-                    <a:p>
-                      <a:pPr>
-                        <a:defRPr sz="700">
-                          <a:latin typeface="Arial Narrow"/>
-                        </a:defRPr>
-                      </a:pPr>
-                      <a:r>
-                        <a:t>32.34527433, -6.35411350</a:t>
-                      </a:r>
-                    </a:p>
-                  </a:txBody>
-                  <a:tcPr>
-                    <a:solidFill>
-                      <a:srgbClr val="F2F2F2"/>
+                      <a:srgbClr val="FFD4B9"/>
+                    </a:solidFill>
+                  </a:tcPr>
+                </a:tc>
+                <a:tc>
+                  <a:txBody>
+                    <a:bodyPr tIns="18288" bIns="18288" lIns="45720" rIns="45720"/>
+                    <a:lstStyle/>
+                    <a:p>
+                      <a:pPr>
+                        <a:defRPr sz="700">
+                          <a:latin typeface="Arial Narrow"/>
+                        </a:defRPr>
+                      </a:pPr>
+                    </a:p>
+                  </a:txBody>
+                  <a:tcPr>
+                    <a:solidFill>
+                      <a:srgbClr val="FFD4B9"/>
+                    </a:solidFill>
+                  </a:tcPr>
+                </a:tc>
+                <a:tc>
+                  <a:txBody>
+                    <a:bodyPr tIns="18288" bIns="18288" lIns="45720" rIns="45720"/>
+                    <a:lstStyle/>
+                    <a:p>
+                      <a:pPr>
+                        <a:defRPr sz="700">
+                          <a:latin typeface="Arial Narrow"/>
+                        </a:defRPr>
+                      </a:pPr>
+                      <a:r>
+                        <a:t>-6.36192, 32.35580</a:t>
+                      </a:r>
+                    </a:p>
+                  </a:txBody>
+                  <a:tcPr>
+                    <a:solidFill>
+                      <a:srgbClr val="FFD4B9"/>
+                    </a:solidFill>
+                  </a:tcPr>
+                </a:tc>
+                <a:tc>
+                  <a:txBody>
+                    <a:bodyPr tIns="18288" bIns="18288" lIns="45720" rIns="45720"/>
+                    <a:lstStyle/>
+                    <a:p>
+                      <a:pPr>
+                        <a:defRPr sz="700">
+                          <a:latin typeface="Arial Narrow"/>
+                        </a:defRPr>
+                      </a:pPr>
+                      <a:r>
+                        <a:t>32.34527, -6.35411</a:t>
+                      </a:r>
+                    </a:p>
+                  </a:txBody>
+                  <a:tcPr>
+                    <a:solidFill>
+                      <a:srgbClr val="FFD4B9"/>
                     </a:solidFill>
                   </a:tcPr>
                 </a:tc>
@@ -5065,7 +5721,11 @@
                       </a:r>
                     </a:p>
                   </a:txBody>
-                  <a:tcPr/>
+                  <a:tcPr>
+                    <a:solidFill>
+                      <a:srgbClr val="FFFFFF"/>
+                    </a:solidFill>
+                  </a:tcPr>
                 </a:tc>
                 <a:tc>
                   <a:txBody>
@@ -5082,7 +5742,11 @@
                       </a:r>
                     </a:p>
                   </a:txBody>
-                  <a:tcPr/>
+                  <a:tcPr>
+                    <a:solidFill>
+                      <a:srgbClr val="FFFFFF"/>
+                    </a:solidFill>
+                  </a:tcPr>
                 </a:tc>
                 <a:tc>
                   <a:txBody>
@@ -5099,7 +5763,29 @@
                       </a:r>
                     </a:p>
                   </a:txBody>
-                  <a:tcPr/>
+                  <a:tcPr>
+                    <a:solidFill>
+                      <a:srgbClr val="FFFFFF"/>
+                    </a:solidFill>
+                  </a:tcPr>
+                </a:tc>
+                <a:tc>
+                  <a:txBody>
+                    <a:bodyPr tIns="18288" bIns="18288" lIns="45720" rIns="45720"/>
+                    <a:lstStyle/>
+                    <a:p>
+                      <a:pPr>
+                        <a:defRPr sz="700">
+                          <a:latin typeface="Arial Narrow"/>
+                        </a:defRPr>
+                      </a:pPr>
+                    </a:p>
+                  </a:txBody>
+                  <a:tcPr>
+                    <a:solidFill>
+                      <a:srgbClr val="FFFFFF"/>
+                    </a:solidFill>
+                  </a:tcPr>
                 </a:tc>
                 <a:tc>
                   <a:txBody>
@@ -5116,7 +5802,11 @@
                       </a:r>
                     </a:p>
                   </a:txBody>
-                  <a:tcPr/>
+                  <a:tcPr>
+                    <a:solidFill>
+                      <a:srgbClr val="FFFFFF"/>
+                    </a:solidFill>
+                  </a:tcPr>
                 </a:tc>
                 <a:tc>
                   <a:txBody>
@@ -5133,41 +5823,71 @@
                       </a:r>
                     </a:p>
                   </a:txBody>
-                  <a:tcPr/>
-                </a:tc>
-                <a:tc>
-                  <a:txBody>
-                    <a:bodyPr tIns="18288" bIns="18288" lIns="45720" rIns="45720"/>
-                    <a:lstStyle/>
-                    <a:p>
-                      <a:pPr>
-                        <a:defRPr sz="700">
-                          <a:latin typeface="Arial Narrow"/>
-                        </a:defRPr>
-                      </a:pPr>
-                      <a:r>
-                        <a:t>-6.35980550000000022, 32.35141670000000147</a:t>
-                      </a:r>
-                    </a:p>
-                  </a:txBody>
-                  <a:tcPr/>
-                </a:tc>
-                <a:tc>
-                  <a:txBody>
-                    <a:bodyPr tIns="18288" bIns="18288" lIns="45720" rIns="45720"/>
-                    <a:lstStyle/>
-                    <a:p>
-                      <a:pPr>
-                        <a:defRPr sz="700">
-                          <a:latin typeface="Arial Narrow"/>
-                        </a:defRPr>
-                      </a:pPr>
-                      <a:r>
-                        <a:t>32.34527433, -6.35411350</a:t>
-                      </a:r>
-                    </a:p>
-                  </a:txBody>
-                  <a:tcPr/>
+                  <a:tcPr>
+                    <a:solidFill>
+                      <a:srgbClr val="FFFFFF"/>
+                    </a:solidFill>
+                  </a:tcPr>
+                </a:tc>
+                <a:tc>
+                  <a:txBody>
+                    <a:bodyPr tIns="18288" bIns="18288" lIns="45720" rIns="45720"/>
+                    <a:lstStyle/>
+                    <a:p>
+                      <a:pPr>
+                        <a:defRPr sz="700">
+                          <a:latin typeface="Arial Narrow"/>
+                        </a:defRPr>
+                      </a:pPr>
+                    </a:p>
+                  </a:txBody>
+                  <a:tcPr>
+                    <a:solidFill>
+                      <a:srgbClr val="FFFFFF"/>
+                    </a:solidFill>
+                  </a:tcPr>
+                </a:tc>
+                <a:tc>
+                  <a:txBody>
+                    <a:bodyPr tIns="18288" bIns="18288" lIns="45720" rIns="45720"/>
+                    <a:lstStyle/>
+                    <a:p>
+                      <a:pPr>
+                        <a:defRPr sz="700">
+                          <a:latin typeface="Arial Narrow"/>
+                        </a:defRPr>
+                      </a:pPr>
+                      <a:r>
+                        <a:t>-6.35981, 32.35142</a:t>
+                      </a:r>
+                    </a:p>
+                  </a:txBody>
+                  <a:tcPr>
+                    <a:solidFill>
+                      <a:srgbClr val="FFFFFF"/>
+                    </a:solidFill>
+                  </a:tcPr>
+                </a:tc>
+                <a:tc>
+                  <a:txBody>
+                    <a:bodyPr tIns="18288" bIns="18288" lIns="45720" rIns="45720"/>
+                    <a:lstStyle/>
+                    <a:p>
+                      <a:pPr>
+                        <a:defRPr sz="700">
+                          <a:latin typeface="Arial Narrow"/>
+                        </a:defRPr>
+                      </a:pPr>
+                      <a:r>
+                        <a:t>32.34527, -6.35411</a:t>
+                      </a:r>
+                    </a:p>
+                  </a:txBody>
+                  <a:tcPr>
+                    <a:solidFill>
+                      <a:srgbClr val="FFFFFF"/>
+                    </a:solidFill>
+                  </a:tcPr>
                 </a:tc>
               </a:tr>
               <a:tr h="18000">
@@ -5188,7 +5908,7 @@
                   </a:txBody>
                   <a:tcPr>
                     <a:solidFill>
-                      <a:srgbClr val="F2F2F2"/>
+                      <a:srgbClr val="FFD4B9"/>
                     </a:solidFill>
                   </a:tcPr>
                 </a:tc>
@@ -5209,7 +5929,7 @@
                   </a:txBody>
                   <a:tcPr>
                     <a:solidFill>
-                      <a:srgbClr val="F2F2F2"/>
+                      <a:srgbClr val="FFD4B9"/>
                     </a:solidFill>
                   </a:tcPr>
                 </a:tc>
@@ -5230,7 +5950,25 @@
                   </a:txBody>
                   <a:tcPr>
                     <a:solidFill>
-                      <a:srgbClr val="F2F2F2"/>
+                      <a:srgbClr val="FFD4B9"/>
+                    </a:solidFill>
+                  </a:tcPr>
+                </a:tc>
+                <a:tc>
+                  <a:txBody>
+                    <a:bodyPr tIns="18288" bIns="18288" lIns="45720" rIns="45720"/>
+                    <a:lstStyle/>
+                    <a:p>
+                      <a:pPr>
+                        <a:defRPr sz="700">
+                          <a:latin typeface="Arial Narrow"/>
+                        </a:defRPr>
+                      </a:pPr>
+                    </a:p>
+                  </a:txBody>
+                  <a:tcPr>
+                    <a:solidFill>
+                      <a:srgbClr val="FFD4B9"/>
                     </a:solidFill>
                   </a:tcPr>
                 </a:tc>
@@ -5251,7 +5989,7 @@
                   </a:txBody>
                   <a:tcPr>
                     <a:solidFill>
-                      <a:srgbClr val="F2F2F2"/>
+                      <a:srgbClr val="FFD4B9"/>
                     </a:solidFill>
                   </a:tcPr>
                 </a:tc>
@@ -5272,49 +6010,67 @@
                   </a:txBody>
                   <a:tcPr>
                     <a:solidFill>
-                      <a:srgbClr val="F2F2F2"/>
-                    </a:solidFill>
-                  </a:tcPr>
-                </a:tc>
-                <a:tc>
-                  <a:txBody>
-                    <a:bodyPr tIns="18288" bIns="18288" lIns="45720" rIns="45720"/>
-                    <a:lstStyle/>
-                    <a:p>
-                      <a:pPr>
-                        <a:defRPr sz="700">
-                          <a:latin typeface="Arial Narrow"/>
-                        </a:defRPr>
-                      </a:pPr>
-                      <a:r>
-                        <a:t>-6.36692999999999998, 32.33840000000000003</a:t>
-                      </a:r>
-                    </a:p>
-                  </a:txBody>
-                  <a:tcPr>
-                    <a:solidFill>
-                      <a:srgbClr val="F2F2F2"/>
-                    </a:solidFill>
-                  </a:tcPr>
-                </a:tc>
-                <a:tc>
-                  <a:txBody>
-                    <a:bodyPr tIns="18288" bIns="18288" lIns="45720" rIns="45720"/>
-                    <a:lstStyle/>
-                    <a:p>
-                      <a:pPr>
-                        <a:defRPr sz="700">
-                          <a:latin typeface="Arial Narrow"/>
-                        </a:defRPr>
-                      </a:pPr>
-                      <a:r>
-                        <a:t>32.33381261, -6.36381169</a:t>
-                      </a:r>
-                    </a:p>
-                  </a:txBody>
-                  <a:tcPr>
-                    <a:solidFill>
-                      <a:srgbClr val="F2F2F2"/>
+                      <a:srgbClr val="FFD4B9"/>
+                    </a:solidFill>
+                  </a:tcPr>
+                </a:tc>
+                <a:tc>
+                  <a:txBody>
+                    <a:bodyPr tIns="18288" bIns="18288" lIns="45720" rIns="45720"/>
+                    <a:lstStyle/>
+                    <a:p>
+                      <a:pPr>
+                        <a:defRPr sz="700">
+                          <a:latin typeface="Arial Narrow"/>
+                        </a:defRPr>
+                      </a:pPr>
+                    </a:p>
+                  </a:txBody>
+                  <a:tcPr>
+                    <a:solidFill>
+                      <a:srgbClr val="FFD4B9"/>
+                    </a:solidFill>
+                  </a:tcPr>
+                </a:tc>
+                <a:tc>
+                  <a:txBody>
+                    <a:bodyPr tIns="18288" bIns="18288" lIns="45720" rIns="45720"/>
+                    <a:lstStyle/>
+                    <a:p>
+                      <a:pPr>
+                        <a:defRPr sz="700">
+                          <a:latin typeface="Arial Narrow"/>
+                        </a:defRPr>
+                      </a:pPr>
+                      <a:r>
+                        <a:t>-6.36693, 32.33840</a:t>
+                      </a:r>
+                    </a:p>
+                  </a:txBody>
+                  <a:tcPr>
+                    <a:solidFill>
+                      <a:srgbClr val="FFD4B9"/>
+                    </a:solidFill>
+                  </a:tcPr>
+                </a:tc>
+                <a:tc>
+                  <a:txBody>
+                    <a:bodyPr tIns="18288" bIns="18288" lIns="45720" rIns="45720"/>
+                    <a:lstStyle/>
+                    <a:p>
+                      <a:pPr>
+                        <a:defRPr sz="700">
+                          <a:latin typeface="Arial Narrow"/>
+                        </a:defRPr>
+                      </a:pPr>
+                      <a:r>
+                        <a:t>32.33381, -6.36381</a:t>
+                      </a:r>
+                    </a:p>
+                  </a:txBody>
+                  <a:tcPr>
+                    <a:solidFill>
+                      <a:srgbClr val="FFD4B9"/>
                     </a:solidFill>
                   </a:tcPr>
                 </a:tc>

--- a/media/generated_ppts/DR IAM_SETTAT EM Telecom.pptx
+++ b/media/generated_ppts/DR IAM_SETTAT EM Telecom.pptx
@@ -3232,9 +3232,45 @@
           </a:prstGeom>
         </p:spPr>
       </p:pic>
+      <p:sp>
+        <p:nvSpPr>
+          <p:cNvPr id="3" name="TextBox 2"/>
+          <p:cNvSpPr txBox="1"/>
+          <p:nvPr/>
+        </p:nvSpPr>
+        <p:spPr>
+          <a:xfrm>
+            <a:off x="1692000" y="2512800"/>
+            <a:ext cx="8640000" cy="432000"/>
+          </a:xfrm>
+          <a:prstGeom prst="rect">
+            <a:avLst/>
+          </a:prstGeom>
+          <a:noFill/>
+        </p:spPr>
+        <p:txBody>
+          <a:bodyPr wrap="none">
+            <a:spAutoFit/>
+          </a:bodyPr>
+          <a:lstStyle/>
+          <a:p>
+            <a:pPr>
+              <a:defRPr sz="900" b="0">
+                <a:solidFill>
+                  <a:srgbClr val="000000"/>
+                </a:solidFill>
+                <a:latin typeface="Arial Narrow"/>
+              </a:defRPr>
+            </a:pPr>
+            <a:r>
+              <a:t>01/12/1111         04/05/3233                                           "azertyuiopmlkjhgfdswxcvbnazertyuiopmlkjhgfdsq"</a:t>
+            </a:r>
+          </a:p>
+        </p:txBody>
+      </p:sp>
       <p:graphicFrame>
         <p:nvGraphicFramePr>
-          <p:cNvPr id="3" name="Table 2"/>
+          <p:cNvPr id="4" name="Table 3"/>
           <p:cNvGraphicFramePr>
             <a:graphicFrameLocks noGrp="1"/>
           </p:cNvGraphicFramePr>

--- a/media/generated_ppts/DR IAM_SETTAT EM Telecom.pptx
+++ b/media/generated_ppts/DR IAM_SETTAT EM Telecom.pptx
@@ -3232,45 +3232,9 @@
           </a:prstGeom>
         </p:spPr>
       </p:pic>
-      <p:sp>
-        <p:nvSpPr>
-          <p:cNvPr id="3" name="TextBox 2"/>
-          <p:cNvSpPr txBox="1"/>
-          <p:nvPr/>
-        </p:nvSpPr>
-        <p:spPr>
-          <a:xfrm>
-            <a:off x="1692000" y="2512800"/>
-            <a:ext cx="8640000" cy="432000"/>
-          </a:xfrm>
-          <a:prstGeom prst="rect">
-            <a:avLst/>
-          </a:prstGeom>
-          <a:noFill/>
-        </p:spPr>
-        <p:txBody>
-          <a:bodyPr wrap="none">
-            <a:spAutoFit/>
-          </a:bodyPr>
-          <a:lstStyle/>
-          <a:p>
-            <a:pPr>
-              <a:defRPr sz="900" b="0">
-                <a:solidFill>
-                  <a:srgbClr val="000000"/>
-                </a:solidFill>
-                <a:latin typeface="Arial Narrow"/>
-              </a:defRPr>
-            </a:pPr>
-            <a:r>
-              <a:t>01/12/1111         04/05/3233                                           "azertyuiopmlkjhgfdswxcvbnazertyuiopmlkjhgfdsq"</a:t>
-            </a:r>
-          </a:p>
-        </p:txBody>
-      </p:sp>
       <p:graphicFrame>
         <p:nvGraphicFramePr>
-          <p:cNvPr id="4" name="Table 3"/>
+          <p:cNvPr id="3" name="Table 2"/>
           <p:cNvGraphicFramePr>
             <a:graphicFrameLocks noGrp="1"/>
           </p:cNvGraphicFramePr>
